--- a/Week_06/Probability Distributions.pptx
+++ b/Week_06/Probability Distributions.pptx
@@ -131,6 +131,11 @@
       </a:defRPr>
     </a:lvl9pPr>
   </p:defaultTextStyle>
+  <p:extLst>
+    <p:ext uri="{EFAFB233-063F-42B5-8137-9DF3F51BA10A}">
+      <p15:sldGuideLst xmlns:p15="http://schemas.microsoft.com/office/powerpoint/2012/main"/>
+    </p:ext>
+  </p:extLst>
 </p:presentation>
 </file>
 
@@ -2801,7 +2806,7 @@
           <a:p>
             <a:fld id="{FC02F6E8-BFC4-4AC6-9F49-2852F60C04EB}" type="datetimeFigureOut">
               <a:rPr lang="en-US" smtClean="0"/>
-              <a:t>9/19/2018</a:t>
+              <a:t>9/27/2018</a:t>
             </a:fld>
             <a:endParaRPr lang="en-US"/>
           </a:p>
@@ -3076,7 +3081,7 @@
           <a:p>
             <a:fld id="{FC02F6E8-BFC4-4AC6-9F49-2852F60C04EB}" type="datetimeFigureOut">
               <a:rPr lang="en-US" smtClean="0"/>
-              <a:t>9/19/2018</a:t>
+              <a:t>9/27/2018</a:t>
             </a:fld>
             <a:endParaRPr lang="en-US"/>
           </a:p>
@@ -3270,7 +3275,7 @@
           <a:p>
             <a:fld id="{FC02F6E8-BFC4-4AC6-9F49-2852F60C04EB}" type="datetimeFigureOut">
               <a:rPr lang="en-US" smtClean="0"/>
-              <a:t>9/19/2018</a:t>
+              <a:t>9/27/2018</a:t>
             </a:fld>
             <a:endParaRPr lang="en-US"/>
           </a:p>
@@ -3543,7 +3548,7 @@
           <a:p>
             <a:fld id="{FC02F6E8-BFC4-4AC6-9F49-2852F60C04EB}" type="datetimeFigureOut">
               <a:rPr lang="en-US" smtClean="0"/>
-              <a:t>9/19/2018</a:t>
+              <a:t>9/27/2018</a:t>
             </a:fld>
             <a:endParaRPr lang="en-US"/>
           </a:p>
@@ -3884,7 +3889,7 @@
           <a:p>
             <a:fld id="{FC02F6E8-BFC4-4AC6-9F49-2852F60C04EB}" type="datetimeFigureOut">
               <a:rPr lang="en-US" smtClean="0"/>
-              <a:t>9/19/2018</a:t>
+              <a:t>9/27/2018</a:t>
             </a:fld>
             <a:endParaRPr lang="en-US"/>
           </a:p>
@@ -4507,7 +4512,7 @@
           <a:p>
             <a:fld id="{FC02F6E8-BFC4-4AC6-9F49-2852F60C04EB}" type="datetimeFigureOut">
               <a:rPr lang="en-US" smtClean="0"/>
-              <a:t>9/19/2018</a:t>
+              <a:t>9/27/2018</a:t>
             </a:fld>
             <a:endParaRPr lang="en-US"/>
           </a:p>
@@ -5367,7 +5372,7 @@
           <a:p>
             <a:fld id="{FC02F6E8-BFC4-4AC6-9F49-2852F60C04EB}" type="datetimeFigureOut">
               <a:rPr lang="en-US" smtClean="0"/>
-              <a:t>9/19/2018</a:t>
+              <a:t>9/27/2018</a:t>
             </a:fld>
             <a:endParaRPr lang="en-US"/>
           </a:p>
@@ -5537,7 +5542,7 @@
           <a:p>
             <a:fld id="{FC02F6E8-BFC4-4AC6-9F49-2852F60C04EB}" type="datetimeFigureOut">
               <a:rPr lang="en-US" smtClean="0"/>
-              <a:t>9/19/2018</a:t>
+              <a:t>9/27/2018</a:t>
             </a:fld>
             <a:endParaRPr lang="en-US"/>
           </a:p>
@@ -5717,7 +5722,7 @@
           <a:p>
             <a:fld id="{FC02F6E8-BFC4-4AC6-9F49-2852F60C04EB}" type="datetimeFigureOut">
               <a:rPr lang="en-US" smtClean="0"/>
-              <a:t>9/19/2018</a:t>
+              <a:t>9/27/2018</a:t>
             </a:fld>
             <a:endParaRPr lang="en-US"/>
           </a:p>
@@ -6216,7 +6221,7 @@
           <a:p>
             <a:fld id="{FC02F6E8-BFC4-4AC6-9F49-2852F60C04EB}" type="datetimeFigureOut">
               <a:rPr lang="en-US" smtClean="0"/>
-              <a:t>9/19/2018</a:t>
+              <a:t>9/27/2018</a:t>
             </a:fld>
             <a:endParaRPr lang="en-US"/>
           </a:p>
@@ -6463,7 +6468,7 @@
           <a:p>
             <a:fld id="{FC02F6E8-BFC4-4AC6-9F49-2852F60C04EB}" type="datetimeFigureOut">
               <a:rPr lang="en-US" smtClean="0"/>
-              <a:t>9/19/2018</a:t>
+              <a:t>9/27/2018</a:t>
             </a:fld>
             <a:endParaRPr lang="en-US"/>
           </a:p>
@@ -6755,7 +6760,7 @@
           <a:p>
             <a:fld id="{FC02F6E8-BFC4-4AC6-9F49-2852F60C04EB}" type="datetimeFigureOut">
               <a:rPr lang="en-US" smtClean="0"/>
-              <a:t>9/19/2018</a:t>
+              <a:t>9/27/2018</a:t>
             </a:fld>
             <a:endParaRPr lang="en-US"/>
           </a:p>
@@ -7199,7 +7204,7 @@
           <a:p>
             <a:fld id="{FC02F6E8-BFC4-4AC6-9F49-2852F60C04EB}" type="datetimeFigureOut">
               <a:rPr lang="en-US" smtClean="0"/>
-              <a:t>9/19/2018</a:t>
+              <a:t>9/27/2018</a:t>
             </a:fld>
             <a:endParaRPr lang="en-US"/>
           </a:p>
@@ -7317,7 +7322,7 @@
           <a:p>
             <a:fld id="{FC02F6E8-BFC4-4AC6-9F49-2852F60C04EB}" type="datetimeFigureOut">
               <a:rPr lang="en-US" smtClean="0"/>
-              <a:t>9/19/2018</a:t>
+              <a:t>9/27/2018</a:t>
             </a:fld>
             <a:endParaRPr lang="en-US"/>
           </a:p>
@@ -7412,7 +7417,7 @@
           <a:p>
             <a:fld id="{FC02F6E8-BFC4-4AC6-9F49-2852F60C04EB}" type="datetimeFigureOut">
               <a:rPr lang="en-US" smtClean="0"/>
-              <a:t>9/19/2018</a:t>
+              <a:t>9/27/2018</a:t>
             </a:fld>
             <a:endParaRPr lang="en-US"/>
           </a:p>
@@ -7691,7 +7696,7 @@
           <a:p>
             <a:fld id="{FC02F6E8-BFC4-4AC6-9F49-2852F60C04EB}" type="datetimeFigureOut">
               <a:rPr lang="en-US" smtClean="0"/>
-              <a:t>9/19/2018</a:t>
+              <a:t>9/27/2018</a:t>
             </a:fld>
             <a:endParaRPr lang="en-US"/>
           </a:p>
@@ -7966,7 +7971,7 @@
           <a:p>
             <a:fld id="{FC02F6E8-BFC4-4AC6-9F49-2852F60C04EB}" type="datetimeFigureOut">
               <a:rPr lang="en-US" smtClean="0"/>
-              <a:t>9/19/2018</a:t>
+              <a:t>9/27/2018</a:t>
             </a:fld>
             <a:endParaRPr lang="en-US"/>
           </a:p>
@@ -8395,7 +8400,7 @@
           <a:p>
             <a:fld id="{FC02F6E8-BFC4-4AC6-9F49-2852F60C04EB}" type="datetimeFigureOut">
               <a:rPr lang="en-US" smtClean="0"/>
-              <a:t>9/19/2018</a:t>
+              <a:t>9/27/2018</a:t>
             </a:fld>
             <a:endParaRPr lang="en-US"/>
           </a:p>
@@ -11870,8 +11875,8 @@
           </a:p>
         </p:txBody>
       </p:sp>
-      <mc:AlternateContent xmlns:mc="http://schemas.openxmlformats.org/markup-compatibility/2006">
-        <mc:Choice xmlns:a14="http://schemas.microsoft.com/office/drawing/2010/main" Requires="a14">
+      <mc:AlternateContent xmlns:mc="http://schemas.openxmlformats.org/markup-compatibility/2006" xmlns:a14="http://schemas.microsoft.com/office/drawing/2010/main">
+        <mc:Choice Requires="a14">
           <p:sp>
             <p:nvSpPr>
               <p:cNvPr id="7" name="Rectangle 6">
@@ -11912,6 +11917,7 @@
                 </a:endParaRPr>
               </a:p>
               <a:p>
+                <a:pPr/>
                 <a14:m>
                   <m:oMathPara xmlns:m="http://schemas.openxmlformats.org/officeDocument/2006/math">
                     <m:oMathParaPr>
@@ -11992,6 +11998,7 @@
                 </a:endParaRPr>
               </a:p>
               <a:p>
+                <a:pPr/>
                 <a14:m>
                   <m:oMathPara xmlns:m="http://schemas.openxmlformats.org/officeDocument/2006/math">
                     <m:oMathParaPr>
@@ -12053,7 +12060,7 @@
             </p:txBody>
           </p:sp>
         </mc:Choice>
-        <mc:Fallback>
+        <mc:Fallback xmlns="">
           <p:sp>
             <p:nvSpPr>
               <p:cNvPr id="7" name="Rectangle 6">
@@ -12156,8 +12163,8 @@
           </a:p>
         </p:txBody>
       </p:sp>
-      <mc:AlternateContent xmlns:mc="http://schemas.openxmlformats.org/markup-compatibility/2006">
-        <mc:Choice xmlns:a14="http://schemas.microsoft.com/office/drawing/2010/main" Requires="a14">
+      <mc:AlternateContent xmlns:mc="http://schemas.openxmlformats.org/markup-compatibility/2006" xmlns:a14="http://schemas.microsoft.com/office/drawing/2010/main">
+        <mc:Choice Requires="a14">
           <p:sp>
             <p:nvSpPr>
               <p:cNvPr id="7" name="Content Placeholder 2">
@@ -12437,6 +12444,7 @@
                         <a:solidFill>
                           <a:schemeClr val="bg1"/>
                         </a:solidFill>
+                        <a:latin typeface="Cambria Math" panose="02040503050406030204" pitchFamily="18" charset="0"/>
                       </a:rPr>
                       <m:t>𝑛</m:t>
                     </m:r>
@@ -12465,6 +12473,7 @@
                         <a:solidFill>
                           <a:schemeClr val="bg1"/>
                         </a:solidFill>
+                        <a:latin typeface="Cambria Math" panose="02040503050406030204" pitchFamily="18" charset="0"/>
                       </a:rPr>
                       <m:t>𝜋</m:t>
                     </m:r>
@@ -12514,7 +12523,7 @@
             </p:txBody>
           </p:sp>
         </mc:Choice>
-        <mc:Fallback>
+        <mc:Fallback xmlns="">
           <p:sp>
             <p:nvSpPr>
               <p:cNvPr id="7" name="Content Placeholder 2">
@@ -12617,8 +12626,8 @@
           </a:p>
         </p:txBody>
       </p:sp>
-      <mc:AlternateContent xmlns:mc="http://schemas.openxmlformats.org/markup-compatibility/2006">
-        <mc:Choice xmlns:a14="http://schemas.microsoft.com/office/drawing/2010/main" Requires="a14">
+      <mc:AlternateContent xmlns:mc="http://schemas.openxmlformats.org/markup-compatibility/2006" xmlns:a14="http://schemas.microsoft.com/office/drawing/2010/main">
+        <mc:Choice Requires="a14">
           <p:sp>
             <p:nvSpPr>
               <p:cNvPr id="3" name="Text Placeholder 2">
@@ -12889,7 +12898,7 @@
             </p:txBody>
           </p:sp>
         </mc:Choice>
-        <mc:Fallback>
+        <mc:Fallback xmlns="">
           <p:sp>
             <p:nvSpPr>
               <p:cNvPr id="3" name="Text Placeholder 2">
@@ -13077,8 +13086,8 @@
           </a:p>
         </p:txBody>
       </p:sp>
-      <mc:AlternateContent xmlns:mc="http://schemas.openxmlformats.org/markup-compatibility/2006">
-        <mc:Choice xmlns:a14="http://schemas.microsoft.com/office/drawing/2010/main" Requires="a14">
+      <mc:AlternateContent xmlns:mc="http://schemas.openxmlformats.org/markup-compatibility/2006" xmlns:a14="http://schemas.microsoft.com/office/drawing/2010/main">
+        <mc:Choice Requires="a14">
           <p:sp>
             <p:nvSpPr>
               <p:cNvPr id="4" name="Rectangle 3">
@@ -13106,6 +13115,7 @@
               </a:bodyPr>
               <a:lstStyle/>
               <a:p>
+                <a:pPr/>
                 <a14:m>
                   <m:oMathPara xmlns:m="http://schemas.openxmlformats.org/officeDocument/2006/math">
                     <m:oMathParaPr>
@@ -13232,7 +13242,7 @@
             </p:txBody>
           </p:sp>
         </mc:Choice>
-        <mc:Fallback>
+        <mc:Fallback xmlns="">
           <p:sp>
             <p:nvSpPr>
               <p:cNvPr id="4" name="Rectangle 3">
@@ -13374,8 +13384,8 @@
           </a:p>
         </p:txBody>
       </p:sp>
-      <mc:AlternateContent xmlns:mc="http://schemas.openxmlformats.org/markup-compatibility/2006">
-        <mc:Choice xmlns:a14="http://schemas.microsoft.com/office/drawing/2010/main" Requires="a14">
+      <mc:AlternateContent xmlns:mc="http://schemas.openxmlformats.org/markup-compatibility/2006" xmlns:a14="http://schemas.microsoft.com/office/drawing/2010/main">
+        <mc:Choice Requires="a14">
           <p:sp>
             <p:nvSpPr>
               <p:cNvPr id="5" name="Rectangle 4">
@@ -13403,6 +13413,7 @@
               </a:bodyPr>
               <a:lstStyle/>
               <a:p>
+                <a:pPr/>
                 <a14:m>
                   <m:oMathPara xmlns:m="http://schemas.openxmlformats.org/officeDocument/2006/math">
                     <m:oMathParaPr>
@@ -13464,7 +13475,7 @@
             </p:txBody>
           </p:sp>
         </mc:Choice>
-        <mc:Fallback>
+        <mc:Fallback xmlns="">
           <p:sp>
             <p:nvSpPr>
               <p:cNvPr id="5" name="Rectangle 4">
@@ -14912,8 +14923,8 @@
           </a:p>
         </p:txBody>
       </p:sp>
-      <mc:AlternateContent xmlns:mc="http://schemas.openxmlformats.org/markup-compatibility/2006">
-        <mc:Choice xmlns:a14="http://schemas.microsoft.com/office/drawing/2010/main" Requires="a14">
+      <mc:AlternateContent xmlns:mc="http://schemas.openxmlformats.org/markup-compatibility/2006" xmlns:a14="http://schemas.microsoft.com/office/drawing/2010/main">
+        <mc:Choice Requires="a14">
           <p:sp>
             <p:nvSpPr>
               <p:cNvPr id="3" name="TextBox 2">
@@ -14942,6 +14953,7 @@
               </a:bodyPr>
               <a:lstStyle/>
               <a:p>
+                <a:pPr/>
                 <a14:m>
                   <m:oMathPara xmlns:m="http://schemas.openxmlformats.org/officeDocument/2006/math">
                     <m:oMathParaPr>
@@ -15024,7 +15036,7 @@
             </p:txBody>
           </p:sp>
         </mc:Choice>
-        <mc:Fallback>
+        <mc:Fallback xmlns="">
           <p:sp>
             <p:nvSpPr>
               <p:cNvPr id="3" name="TextBox 2">
@@ -15069,8 +15081,8 @@
           </p:sp>
         </mc:Fallback>
       </mc:AlternateContent>
-      <mc:AlternateContent xmlns:mc="http://schemas.openxmlformats.org/markup-compatibility/2006">
-        <mc:Choice xmlns:a14="http://schemas.microsoft.com/office/drawing/2010/main" Requires="a14">
+      <mc:AlternateContent xmlns:mc="http://schemas.openxmlformats.org/markup-compatibility/2006" xmlns:a14="http://schemas.microsoft.com/office/drawing/2010/main">
+        <mc:Choice Requires="a14">
           <p:sp>
             <p:nvSpPr>
               <p:cNvPr id="13" name="TextBox 12">
@@ -15099,6 +15111,7 @@
               </a:bodyPr>
               <a:lstStyle/>
               <a:p>
+                <a:pPr/>
                 <a14:m>
                   <m:oMathPara xmlns:m="http://schemas.openxmlformats.org/officeDocument/2006/math">
                     <m:oMathParaPr>
@@ -15122,7 +15135,13 @@
                             <a:rPr lang="en-US" sz="2800" b="0" i="1" smtClean="0">
                               <a:latin typeface="Cambria Math" panose="02040503050406030204" pitchFamily="18" charset="0"/>
                             </a:rPr>
-                            <m:t>0.20</m:t>
+                            <m:t>0</m:t>
+                          </m:r>
+                          <m:r>
+                            <a:rPr lang="en-US" sz="2800" b="0" i="1" smtClean="0">
+                              <a:latin typeface="Cambria Math" panose="02040503050406030204" pitchFamily="18" charset="0"/>
+                            </a:rPr>
+                            <m:t>.20</m:t>
                           </m:r>
                         </m:sub>
                         <m:sup>
@@ -15173,7 +15192,7 @@
             </p:txBody>
           </p:sp>
         </mc:Choice>
-        <mc:Fallback>
+        <mc:Fallback xmlns="">
           <p:sp>
             <p:nvSpPr>
               <p:cNvPr id="13" name="TextBox 12">
@@ -15742,8 +15761,8 @@
           </a:p>
         </p:txBody>
       </p:sp>
-      <mc:AlternateContent xmlns:mc="http://schemas.openxmlformats.org/markup-compatibility/2006">
-        <mc:Choice xmlns:a14="http://schemas.microsoft.com/office/drawing/2010/main" Requires="a14">
+      <mc:AlternateContent xmlns:mc="http://schemas.openxmlformats.org/markup-compatibility/2006" xmlns:a14="http://schemas.microsoft.com/office/drawing/2010/main">
+        <mc:Choice Requires="a14">
           <p:sp>
             <p:nvSpPr>
               <p:cNvPr id="5" name="TextBox 4">
@@ -15772,6 +15791,7 @@
               </a:bodyPr>
               <a:lstStyle/>
               <a:p>
+                <a:pPr/>
                 <a14:m>
                   <m:oMathPara xmlns:m="http://schemas.openxmlformats.org/officeDocument/2006/math">
                     <m:oMathParaPr>
@@ -15824,7 +15844,7 @@
             </p:txBody>
           </p:sp>
         </mc:Choice>
-        <mc:Fallback>
+        <mc:Fallback xmlns="">
           <p:sp>
             <p:nvSpPr>
               <p:cNvPr id="5" name="TextBox 4">
@@ -17315,8 +17335,8 @@
           </a:p>
         </p:txBody>
       </p:sp>
-      <mc:AlternateContent xmlns:mc="http://schemas.openxmlformats.org/markup-compatibility/2006">
-        <mc:Choice xmlns:a14="http://schemas.microsoft.com/office/drawing/2010/main" Requires="a14">
+      <mc:AlternateContent xmlns:mc="http://schemas.openxmlformats.org/markup-compatibility/2006" xmlns:a14="http://schemas.microsoft.com/office/drawing/2010/main">
+        <mc:Choice Requires="a14">
           <p:sp>
             <p:nvSpPr>
               <p:cNvPr id="4" name="TextBox 3">
@@ -17345,6 +17365,7 @@
               </a:bodyPr>
               <a:lstStyle/>
               <a:p>
+                <a:pPr/>
                 <a14:m>
                   <m:oMathPara xmlns:m="http://schemas.openxmlformats.org/officeDocument/2006/math">
                     <m:oMathParaPr>
@@ -17410,7 +17431,7 @@
             </p:txBody>
           </p:sp>
         </mc:Choice>
-        <mc:Fallback>
+        <mc:Fallback xmlns="">
           <p:sp>
             <p:nvSpPr>
               <p:cNvPr id="4" name="TextBox 3">
@@ -17791,8 +17812,8 @@
           </a:p>
         </p:txBody>
       </p:sp>
-      <mc:AlternateContent xmlns:mc="http://schemas.openxmlformats.org/markup-compatibility/2006">
-        <mc:Choice xmlns:a14="http://schemas.microsoft.com/office/drawing/2010/main" Requires="a14">
+      <mc:AlternateContent xmlns:mc="http://schemas.openxmlformats.org/markup-compatibility/2006" xmlns:a14="http://schemas.microsoft.com/office/drawing/2010/main">
+        <mc:Choice Requires="a14">
           <p:sp>
             <p:nvSpPr>
               <p:cNvPr id="4" name="TextBox 3">
@@ -17821,6 +17842,7 @@
               </a:bodyPr>
               <a:lstStyle/>
               <a:p>
+                <a:pPr/>
                 <a14:m>
                   <m:oMathPara xmlns:m="http://schemas.openxmlformats.org/officeDocument/2006/math">
                     <m:oMathParaPr>
@@ -17969,7 +17991,7 @@
             </p:txBody>
           </p:sp>
         </mc:Choice>
-        <mc:Fallback>
+        <mc:Fallback xmlns="">
           <p:sp>
             <p:nvSpPr>
               <p:cNvPr id="4" name="TextBox 3">
@@ -21663,7 +21685,7 @@
         <p:spPr>
           <a:xfrm>
             <a:off x="646110" y="1853248"/>
-            <a:ext cx="10494469" cy="4708981"/>
+            <a:ext cx="10494469" cy="5016758"/>
           </a:xfrm>
           <a:prstGeom prst="rect">
             <a:avLst/>
@@ -21722,7 +21744,21 @@
               <a:rPr lang="en-US" sz="2000" dirty="0">
                 <a:latin typeface="+mj-lt"/>
               </a:rPr>
-              <a:t>P(A) = .5, P(B) = .2, P(A∩B) = 0.05</a:t>
+              <a:t>P(A) = .5, P(B) = .2, P(A</a:t>
+            </a:r>
+            <a:r>
+              <a:rPr lang="en-US" sz="2000" b="1" dirty="0">
+                <a:solidFill>
+                  <a:schemeClr val="accent6"/>
+                </a:solidFill>
+              </a:rPr>
+              <a:t> ∩ </a:t>
+            </a:r>
+            <a:r>
+              <a:rPr lang="en-US" sz="2000" dirty="0">
+                <a:latin typeface="+mj-lt"/>
+              </a:rPr>
+              <a:t>B) = 0.10</a:t>
             </a:r>
           </a:p>
           <a:p>
@@ -21832,7 +21868,7 @@
               <a:rPr lang="en-US" sz="2000" dirty="0">
                 <a:latin typeface="+mj-lt"/>
               </a:rPr>
-              <a:t>P(A) + P(B) – P(A </a:t>
+              <a:t>P(A </a:t>
             </a:r>
             <a:r>
               <a:rPr lang="en-US" sz="2000" dirty="0">
@@ -21850,7 +21886,53 @@
               <a:rPr lang="en-US" sz="2000" dirty="0">
                 <a:latin typeface="+mj-lt"/>
               </a:rPr>
-              <a:t> B), or .5 + .2 - .05 = .65</a:t>
+              <a:t> B) - </a:t>
+            </a:r>
+            <a:r>
+              <a:rPr lang="en-US" sz="2000" dirty="0"/>
+              <a:t>P(A</a:t>
+            </a:r>
+            <a:r>
+              <a:rPr lang="en-US" sz="2000" b="1" dirty="0">
+                <a:solidFill>
+                  <a:schemeClr val="accent6"/>
+                </a:solidFill>
+              </a:rPr>
+              <a:t> ∩ </a:t>
+            </a:r>
+            <a:r>
+              <a:rPr lang="en-US" sz="2000" dirty="0"/>
+              <a:t>B)</a:t>
+            </a:r>
+            <a:r>
+              <a:rPr lang="en-US" sz="2000" dirty="0">
+                <a:latin typeface="+mj-lt"/>
+              </a:rPr>
+              <a:t> = P(A) + P(B) – </a:t>
+            </a:r>
+            <a:r>
+              <a:rPr lang="en-US" sz="2000" dirty="0"/>
+              <a:t>P(A</a:t>
+            </a:r>
+            <a:r>
+              <a:rPr lang="en-US" sz="2000" b="1" dirty="0">
+                <a:solidFill>
+                  <a:schemeClr val="accent6"/>
+                </a:solidFill>
+              </a:rPr>
+              <a:t> ∩ </a:t>
+            </a:r>
+            <a:r>
+              <a:rPr lang="en-US" sz="2000" dirty="0"/>
+              <a:t>B)  = </a:t>
+            </a:r>
+          </a:p>
+          <a:p>
+            <a:r>
+              <a:rPr lang="en-US" sz="2000" dirty="0">
+                <a:latin typeface="+mj-lt"/>
+              </a:rPr>
+              <a:t>					    0.5  + 0.2   –  0.10 = 0.60</a:t>
             </a:r>
           </a:p>
         </p:txBody>
@@ -21909,7 +21991,7 @@
           <a:lstStyle/>
           <a:p>
             <a:pPr algn="ctr"/>
-            <a:endParaRPr lang="en-US"/>
+            <a:endParaRPr lang="en-US" dirty="0"/>
           </a:p>
         </p:txBody>
       </p:sp>
@@ -22085,7 +22167,7 @@
             <a:pPr algn="ctr"/>
             <a:r>
               <a:rPr lang="en-US" dirty="0"/>
-              <a:t>0.05</a:t>
+              <a:t>0.10</a:t>
             </a:r>
           </a:p>
         </p:txBody>
@@ -22817,7 +22899,7 @@
             </a:extLst>
           </p:cNvPr>
           <p:cNvGraphicFramePr>
-            <a:graphicFrameLocks noChangeAspect="1"/>
+            <a:graphicFrameLocks noGrp="1" noChangeAspect="1"/>
           </p:cNvGraphicFramePr>
           <p:nvPr>
             <p:ph sz="quarter" idx="2"/>
@@ -22836,7 +22918,7 @@
           <a:graphicData uri="http://schemas.openxmlformats.org/presentationml/2006/ole">
             <mc:AlternateContent xmlns:mc="http://schemas.openxmlformats.org/markup-compatibility/2006">
               <mc:Choice xmlns:v="urn:schemas-microsoft-com:vml" Requires="v">
-                <p:oleObj spid="_x0000_s1106" name="Equation" r:id="rId3" imgW="799920" imgH="215640" progId="Equation.3">
+                <p:oleObj spid="_x0000_s1112" name="Equation" r:id="rId3" imgW="799920" imgH="215640" progId="Equation.3">
                   <p:embed/>
                 </p:oleObj>
               </mc:Choice>
@@ -22929,7 +23011,7 @@
             </a:extLst>
           </p:cNvPr>
           <p:cNvGraphicFramePr>
-            <a:graphicFrameLocks noChangeAspect="1"/>
+            <a:graphicFrameLocks noGrp="1" noChangeAspect="1"/>
           </p:cNvGraphicFramePr>
           <p:nvPr>
             <p:ph sz="quarter" idx="3"/>
@@ -22948,7 +23030,7 @@
           <a:graphicData uri="http://schemas.openxmlformats.org/presentationml/2006/ole">
             <mc:AlternateContent xmlns:mc="http://schemas.openxmlformats.org/markup-compatibility/2006">
               <mc:Choice xmlns:v="urn:schemas-microsoft-com:vml" Requires="v">
-                <p:oleObj spid="_x0000_s1107" name="Equation" r:id="rId5" imgW="927000" imgH="266400" progId="Equation.3">
+                <p:oleObj spid="_x0000_s1113" name="Equation" r:id="rId5" imgW="927000" imgH="266400" progId="Equation.3">
                   <p:embed/>
                 </p:oleObj>
               </mc:Choice>
